--- a/Visual_Studio_Code/Visual Studio Code.pptx
+++ b/Visual_Studio_Code/Visual Studio Code.pptx
@@ -5,7 +5,7 @@
     <p:sldMasterId id="2147483661" r:id="rId1"/>
   </p:sldMasterIdLst>
   <p:notesMasterIdLst>
-    <p:notesMasterId r:id="rId14"/>
+    <p:notesMasterId r:id="rId15"/>
   </p:notesMasterIdLst>
   <p:sldIdLst>
     <p:sldId id="257" r:id="rId2"/>
@@ -15,11 +15,12 @@
     <p:sldId id="278" r:id="rId6"/>
     <p:sldId id="279" r:id="rId7"/>
     <p:sldId id="280" r:id="rId8"/>
-    <p:sldId id="281" r:id="rId9"/>
-    <p:sldId id="282" r:id="rId10"/>
-    <p:sldId id="283" r:id="rId11"/>
-    <p:sldId id="284" r:id="rId12"/>
-    <p:sldId id="285" r:id="rId13"/>
+    <p:sldId id="286" r:id="rId9"/>
+    <p:sldId id="281" r:id="rId10"/>
+    <p:sldId id="282" r:id="rId11"/>
+    <p:sldId id="283" r:id="rId12"/>
+    <p:sldId id="284" r:id="rId13"/>
+    <p:sldId id="285" r:id="rId14"/>
   </p:sldIdLst>
   <p:sldSz cx="12192000" cy="6858000"/>
   <p:notesSz cx="6858000" cy="9144000"/>
@@ -126,6 +127,43 @@
 </p:presentation>
 </file>
 
+<file path=ppt/revisionInfo.xml><?xml version="1.0" encoding="utf-8"?>
+<p1510:revInfo xmlns:a="http://schemas.openxmlformats.org/drawingml/2006/main" xmlns:r="http://schemas.openxmlformats.org/officeDocument/2006/relationships" xmlns:p1510="http://schemas.microsoft.com/office/powerpoint/2015/10/main">
+  <p1510:revLst>
+    <p1510:client id="{C7D86192-8DD6-4AAC-8263-918BC94F1E18}" v="6" dt="2019-04-02T12:59:03.629"/>
+  </p1510:revLst>
+</p1510:revInfo>
+</file>
+
+<file path=ppt/changesInfos/changesInfo1.xml><?xml version="1.0" encoding="utf-8"?>
+<pc:chgInfo xmlns:a="http://schemas.openxmlformats.org/drawingml/2006/main" xmlns:r="http://schemas.openxmlformats.org/officeDocument/2006/relationships" xmlns:ac="http://schemas.microsoft.com/office/drawing/2013/main/command" xmlns:pc="http://schemas.microsoft.com/office/powerpoint/2013/main/command">
+  <pc:docChgLst>
+    <pc:chgData name="Jochen Mariën" userId="a4f8d9ed-3895-4365-b2d5-9432cb8a20d4" providerId="ADAL" clId="{C7D86192-8DD6-4AAC-8263-918BC94F1E18}"/>
+    <pc:docChg chg="addSld modSld">
+      <pc:chgData name="Jochen Mariën" userId="a4f8d9ed-3895-4365-b2d5-9432cb8a20d4" providerId="ADAL" clId="{C7D86192-8DD6-4AAC-8263-918BC94F1E18}" dt="2019-04-02T12:58:35.514" v="2"/>
+      <pc:docMkLst>
+        <pc:docMk/>
+      </pc:docMkLst>
+      <pc:sldChg chg="modSp add">
+        <pc:chgData name="Jochen Mariën" userId="a4f8d9ed-3895-4365-b2d5-9432cb8a20d4" providerId="ADAL" clId="{C7D86192-8DD6-4AAC-8263-918BC94F1E18}" dt="2019-04-02T12:58:35.514" v="2"/>
+        <pc:sldMkLst>
+          <pc:docMk/>
+          <pc:sldMk cId="308637880" sldId="286"/>
+        </pc:sldMkLst>
+        <pc:spChg chg="mod">
+          <ac:chgData name="Jochen Mariën" userId="a4f8d9ed-3895-4365-b2d5-9432cb8a20d4" providerId="ADAL" clId="{C7D86192-8DD6-4AAC-8263-918BC94F1E18}" dt="2019-04-02T12:58:35.514" v="2"/>
+          <ac:spMkLst>
+            <pc:docMk/>
+            <pc:sldMk cId="308637880" sldId="286"/>
+            <ac:spMk id="3" creationId="{16E63D29-91F8-4C91-BE92-1794A781736C}"/>
+          </ac:spMkLst>
+        </pc:spChg>
+      </pc:sldChg>
+    </pc:docChg>
+  </pc:docChgLst>
+</pc:chgInfo>
+</file>
+
 <file path=ppt/notesMasters/notesMaster1.xml><?xml version="1.0" encoding="utf-8"?>
 <p:notesMaster xmlns:a="http://schemas.openxmlformats.org/drawingml/2006/main" xmlns:r="http://schemas.openxmlformats.org/officeDocument/2006/relationships" xmlns:p="http://schemas.openxmlformats.org/presentationml/2006/main">
   <p:cSld>
@@ -208,7 +246,7 @@
           <a:p>
             <a:fld id="{3C1CD153-15DE-46E9-BB45-7F70E88D2337}" type="datetimeFigureOut">
               <a:rPr lang="nl-BE" smtClean="0"/>
-              <a:t>11/09/2018</a:t>
+              <a:t>2/04/2019</a:t>
             </a:fld>
             <a:endParaRPr lang="nl-BE"/>
           </a:p>
@@ -867,6 +905,94 @@
 </p:notes>
 </file>
 
+<file path=ppt/notesSlides/notesSlide5.xml><?xml version="1.0" encoding="utf-8"?>
+<p:notes xmlns:a="http://schemas.openxmlformats.org/drawingml/2006/main" xmlns:r="http://schemas.openxmlformats.org/officeDocument/2006/relationships" xmlns:p="http://schemas.openxmlformats.org/presentationml/2006/main">
+  <p:cSld>
+    <p:spTree>
+      <p:nvGrpSpPr>
+        <p:cNvPr id="1" name=""/>
+        <p:cNvGrpSpPr/>
+        <p:nvPr/>
+      </p:nvGrpSpPr>
+      <p:grpSpPr>
+        <a:xfrm>
+          <a:off x="0" y="0"/>
+          <a:ext cx="0" cy="0"/>
+          <a:chOff x="0" y="0"/>
+          <a:chExt cx="0" cy="0"/>
+        </a:xfrm>
+      </p:grpSpPr>
+      <p:sp>
+        <p:nvSpPr>
+          <p:cNvPr id="2" name="Slide Image Placeholder 1"/>
+          <p:cNvSpPr>
+            <a:spLocks noGrp="1" noRot="1" noChangeAspect="1"/>
+          </p:cNvSpPr>
+          <p:nvPr>
+            <p:ph type="sldImg"/>
+          </p:nvPr>
+        </p:nvSpPr>
+        <p:spPr/>
+      </p:sp>
+      <p:sp>
+        <p:nvSpPr>
+          <p:cNvPr id="3" name="Notes Placeholder 2"/>
+          <p:cNvSpPr>
+            <a:spLocks noGrp="1"/>
+          </p:cNvSpPr>
+          <p:nvPr>
+            <p:ph type="body" idx="1"/>
+          </p:nvPr>
+        </p:nvSpPr>
+        <p:spPr/>
+        <p:txBody>
+          <a:bodyPr/>
+          <a:lstStyle/>
+          <a:p>
+            <a:r>
+              <a:rPr lang="en-US" dirty="0"/>
+              <a:t>https://git-scm.com/book/en/v2/Getting-Started-First-Time-Git-Setup</a:t>
+            </a:r>
+            <a:endParaRPr lang="en-BE" dirty="0"/>
+          </a:p>
+        </p:txBody>
+      </p:sp>
+      <p:sp>
+        <p:nvSpPr>
+          <p:cNvPr id="4" name="Slide Number Placeholder 3"/>
+          <p:cNvSpPr>
+            <a:spLocks noGrp="1"/>
+          </p:cNvSpPr>
+          <p:nvPr>
+            <p:ph type="sldNum" sz="quarter" idx="5"/>
+          </p:nvPr>
+        </p:nvSpPr>
+        <p:spPr/>
+        <p:txBody>
+          <a:bodyPr/>
+          <a:lstStyle/>
+          <a:p>
+            <a:fld id="{86518AAE-73D8-4A7F-BD2A-F3659414D35C}" type="slidenum">
+              <a:rPr lang="nl-BE" smtClean="0"/>
+              <a:t>8</a:t>
+            </a:fld>
+            <a:endParaRPr lang="nl-BE"/>
+          </a:p>
+        </p:txBody>
+      </p:sp>
+    </p:spTree>
+    <p:extLst>
+      <p:ext uri="{BB962C8B-B14F-4D97-AF65-F5344CB8AC3E}">
+        <p14:creationId xmlns:p14="http://schemas.microsoft.com/office/powerpoint/2010/main" val="157609960"/>
+      </p:ext>
+    </p:extLst>
+  </p:cSld>
+  <p:clrMapOvr>
+    <a:masterClrMapping/>
+  </p:clrMapOvr>
+</p:notes>
+</file>
+
 <file path=ppt/slideLayouts/slideLayout1.xml><?xml version="1.0" encoding="utf-8"?>
 <p:sldLayout xmlns:a="http://schemas.openxmlformats.org/drawingml/2006/main" xmlns:r="http://schemas.openxmlformats.org/officeDocument/2006/relationships" xmlns:p="http://schemas.openxmlformats.org/presentationml/2006/main" type="title" preserve="1">
   <p:cSld name="Title Slide">
@@ -998,7 +1124,7 @@
           <a:p>
             <a:fld id="{21F21368-17C6-4870-9BCB-BC49B72EC322}" type="datetimeFigureOut">
               <a:rPr lang="nl-BE" smtClean="0"/>
-              <a:t>11/09/2018</a:t>
+              <a:t>2/04/2019</a:t>
             </a:fld>
             <a:endParaRPr lang="nl-BE"/>
           </a:p>
@@ -1168,7 +1294,7 @@
           <a:p>
             <a:fld id="{21F21368-17C6-4870-9BCB-BC49B72EC322}" type="datetimeFigureOut">
               <a:rPr lang="nl-BE" smtClean="0"/>
-              <a:t>11/09/2018</a:t>
+              <a:t>2/04/2019</a:t>
             </a:fld>
             <a:endParaRPr lang="nl-BE"/>
           </a:p>
@@ -1348,7 +1474,7 @@
           <a:p>
             <a:fld id="{21F21368-17C6-4870-9BCB-BC49B72EC322}" type="datetimeFigureOut">
               <a:rPr lang="nl-BE" smtClean="0"/>
-              <a:t>11/09/2018</a:t>
+              <a:t>2/04/2019</a:t>
             </a:fld>
             <a:endParaRPr lang="nl-BE"/>
           </a:p>
@@ -1862,7 +1988,7 @@
           <a:p>
             <a:fld id="{21F21368-17C6-4870-9BCB-BC49B72EC322}" type="datetimeFigureOut">
               <a:rPr lang="nl-BE" smtClean="0"/>
-              <a:t>11/09/2018</a:t>
+              <a:t>2/04/2019</a:t>
             </a:fld>
             <a:endParaRPr lang="nl-BE"/>
           </a:p>
@@ -2108,7 +2234,7 @@
           <a:p>
             <a:fld id="{21F21368-17C6-4870-9BCB-BC49B72EC322}" type="datetimeFigureOut">
               <a:rPr lang="nl-BE" smtClean="0"/>
-              <a:t>11/09/2018</a:t>
+              <a:t>2/04/2019</a:t>
             </a:fld>
             <a:endParaRPr lang="nl-BE"/>
           </a:p>
@@ -2340,7 +2466,7 @@
           <a:p>
             <a:fld id="{21F21368-17C6-4870-9BCB-BC49B72EC322}" type="datetimeFigureOut">
               <a:rPr lang="nl-BE" smtClean="0"/>
-              <a:t>11/09/2018</a:t>
+              <a:t>2/04/2019</a:t>
             </a:fld>
             <a:endParaRPr lang="nl-BE"/>
           </a:p>
@@ -2707,7 +2833,7 @@
           <a:p>
             <a:fld id="{21F21368-17C6-4870-9BCB-BC49B72EC322}" type="datetimeFigureOut">
               <a:rPr lang="nl-BE" smtClean="0"/>
-              <a:t>11/09/2018</a:t>
+              <a:t>2/04/2019</a:t>
             </a:fld>
             <a:endParaRPr lang="nl-BE"/>
           </a:p>
@@ -2825,7 +2951,7 @@
           <a:p>
             <a:fld id="{21F21368-17C6-4870-9BCB-BC49B72EC322}" type="datetimeFigureOut">
               <a:rPr lang="nl-BE" smtClean="0"/>
-              <a:t>11/09/2018</a:t>
+              <a:t>2/04/2019</a:t>
             </a:fld>
             <a:endParaRPr lang="nl-BE"/>
           </a:p>
@@ -2920,7 +3046,7 @@
           <a:p>
             <a:fld id="{21F21368-17C6-4870-9BCB-BC49B72EC322}" type="datetimeFigureOut">
               <a:rPr lang="nl-BE" smtClean="0"/>
-              <a:t>11/09/2018</a:t>
+              <a:t>2/04/2019</a:t>
             </a:fld>
             <a:endParaRPr lang="nl-BE"/>
           </a:p>
@@ -3197,7 +3323,7 @@
           <a:p>
             <a:fld id="{21F21368-17C6-4870-9BCB-BC49B72EC322}" type="datetimeFigureOut">
               <a:rPr lang="nl-BE" smtClean="0"/>
-              <a:t>11/09/2018</a:t>
+              <a:t>2/04/2019</a:t>
             </a:fld>
             <a:endParaRPr lang="nl-BE"/>
           </a:p>
@@ -3454,7 +3580,7 @@
           <a:p>
             <a:fld id="{21F21368-17C6-4870-9BCB-BC49B72EC322}" type="datetimeFigureOut">
               <a:rPr lang="nl-BE" smtClean="0"/>
-              <a:t>11/09/2018</a:t>
+              <a:t>2/04/2019</a:t>
             </a:fld>
             <a:endParaRPr lang="nl-BE"/>
           </a:p>
@@ -3667,7 +3793,7 @@
           <a:p>
             <a:fld id="{21F21368-17C6-4870-9BCB-BC49B72EC322}" type="datetimeFigureOut">
               <a:rPr lang="nl-BE" smtClean="0"/>
-              <a:t>11/09/2018</a:t>
+              <a:t>2/04/2019</a:t>
             </a:fld>
             <a:endParaRPr lang="nl-BE"/>
           </a:p>
@@ -4431,6 +4557,147 @@
           <p:cNvPr id="2" name="Title 1">
             <a:extLst>
               <a:ext uri="{FF2B5EF4-FFF2-40B4-BE49-F238E27FC236}">
+                <a16:creationId xmlns:a16="http://schemas.microsoft.com/office/drawing/2014/main" id="{0B72FC82-DACC-4F0E-A2FD-56E21B0CD32E}"/>
+              </a:ext>
+            </a:extLst>
+          </p:cNvPr>
+          <p:cNvSpPr>
+            <a:spLocks noGrp="1"/>
+          </p:cNvSpPr>
+          <p:nvPr>
+            <p:ph type="title"/>
+          </p:nvPr>
+        </p:nvSpPr>
+        <p:spPr/>
+        <p:txBody>
+          <a:bodyPr/>
+          <a:lstStyle/>
+          <a:p>
+            <a:r>
+              <a:rPr lang="en-GB" dirty="0"/>
+              <a:t>Starting off</a:t>
+            </a:r>
+          </a:p>
+        </p:txBody>
+      </p:sp>
+      <p:sp>
+        <p:nvSpPr>
+          <p:cNvPr id="3" name="Content Placeholder 2">
+            <a:extLst>
+              <a:ext uri="{FF2B5EF4-FFF2-40B4-BE49-F238E27FC236}">
+                <a16:creationId xmlns:a16="http://schemas.microsoft.com/office/drawing/2014/main" id="{AD0FBC08-3629-436C-9C55-337236FAD92E}"/>
+              </a:ext>
+            </a:extLst>
+          </p:cNvPr>
+          <p:cNvSpPr>
+            <a:spLocks noGrp="1"/>
+          </p:cNvSpPr>
+          <p:nvPr>
+            <p:ph idx="1"/>
+          </p:nvPr>
+        </p:nvSpPr>
+        <p:spPr/>
+        <p:txBody>
+          <a:bodyPr/>
+          <a:lstStyle/>
+          <a:p>
+            <a:r>
+              <a:rPr lang="en-GB" dirty="0"/>
+              <a:t>Open </a:t>
+            </a:r>
+            <a:r>
+              <a:rPr lang="en-GB" dirty="0" err="1"/>
+              <a:t>VSCode</a:t>
+            </a:r>
+            <a:endParaRPr lang="en-GB" dirty="0"/>
+          </a:p>
+          <a:p>
+            <a:r>
+              <a:rPr lang="en-GB" dirty="0"/>
+              <a:t>Click View – command palette (Ctrl-Shift-P)</a:t>
+            </a:r>
+          </a:p>
+          <a:p>
+            <a:r>
+              <a:rPr lang="en-GB" dirty="0"/>
+              <a:t>Type “Git: Clone”</a:t>
+            </a:r>
+          </a:p>
+          <a:p>
+            <a:r>
+              <a:rPr lang="en-GB" dirty="0"/>
+              <a:t>As URL, type </a:t>
+            </a:r>
+            <a:r>
+              <a:rPr lang="en-GB" dirty="0">
+                <a:hlinkClick r:id="rId2"/>
+              </a:rPr>
+              <a:t>https://github.com/mjochen/PS-Basic-course</a:t>
+            </a:r>
+            <a:r>
+              <a:rPr lang="en-GB" dirty="0"/>
+              <a:t> and enter</a:t>
+            </a:r>
+          </a:p>
+          <a:p>
+            <a:r>
+              <a:rPr lang="en-GB" dirty="0"/>
+              <a:t>Choose the local folder to create the working tree</a:t>
+            </a:r>
+          </a:p>
+          <a:p>
+            <a:pPr lvl="1"/>
+            <a:r>
+              <a:rPr lang="en-GB" dirty="0"/>
+              <a:t>A subfolder is automatically created</a:t>
+            </a:r>
+          </a:p>
+          <a:p>
+            <a:r>
+              <a:rPr lang="en-GB" dirty="0"/>
+              <a:t>You can choose to open the rep (bottom right)</a:t>
+            </a:r>
+          </a:p>
+          <a:p>
+            <a:endParaRPr lang="en-GB" dirty="0"/>
+          </a:p>
+        </p:txBody>
+      </p:sp>
+    </p:spTree>
+    <p:extLst>
+      <p:ext uri="{BB962C8B-B14F-4D97-AF65-F5344CB8AC3E}">
+        <p14:creationId xmlns:p14="http://schemas.microsoft.com/office/powerpoint/2010/main" val="1471675340"/>
+      </p:ext>
+    </p:extLst>
+  </p:cSld>
+  <p:clrMapOvr>
+    <a:masterClrMapping/>
+  </p:clrMapOvr>
+</p:sld>
+</file>
+
+<file path=ppt/slides/slide11.xml><?xml version="1.0" encoding="utf-8"?>
+<p:sld xmlns:a="http://schemas.openxmlformats.org/drawingml/2006/main" xmlns:r="http://schemas.openxmlformats.org/officeDocument/2006/relationships" xmlns:p="http://schemas.openxmlformats.org/presentationml/2006/main">
+  <p:cSld>
+    <p:spTree>
+      <p:nvGrpSpPr>
+        <p:cNvPr id="1" name=""/>
+        <p:cNvGrpSpPr/>
+        <p:nvPr/>
+      </p:nvGrpSpPr>
+      <p:grpSpPr>
+        <a:xfrm>
+          <a:off x="0" y="0"/>
+          <a:ext cx="0" cy="0"/>
+          <a:chOff x="0" y="0"/>
+          <a:chExt cx="0" cy="0"/>
+        </a:xfrm>
+      </p:grpSpPr>
+      <p:sp>
+        <p:nvSpPr>
+          <p:cNvPr id="2" name="Title 1">
+            <a:extLst>
+              <a:ext uri="{FF2B5EF4-FFF2-40B4-BE49-F238E27FC236}">
                 <a16:creationId xmlns:a16="http://schemas.microsoft.com/office/drawing/2014/main" id="{AC150340-AB04-4EE0-883D-153322D8864A}"/>
               </a:ext>
             </a:extLst>
@@ -4521,7 +4788,7 @@
 </p:sld>
 </file>
 
-<file path=ppt/slides/slide11.xml><?xml version="1.0" encoding="utf-8"?>
+<file path=ppt/slides/slide12.xml><?xml version="1.0" encoding="utf-8"?>
 <p:sld xmlns:a="http://schemas.openxmlformats.org/drawingml/2006/main" xmlns:r="http://schemas.openxmlformats.org/officeDocument/2006/relationships" xmlns:p="http://schemas.openxmlformats.org/presentationml/2006/main">
   <p:cSld>
     <p:spTree>
@@ -4711,7 +4978,7 @@
 </p:sld>
 </file>
 
-<file path=ppt/slides/slide12.xml><?xml version="1.0" encoding="utf-8"?>
+<file path=ppt/slides/slide13.xml><?xml version="1.0" encoding="utf-8"?>
 <p:sld xmlns:a="http://schemas.openxmlformats.org/drawingml/2006/main" xmlns:r="http://schemas.openxmlformats.org/officeDocument/2006/relationships" xmlns:p="http://schemas.openxmlformats.org/presentationml/2006/main">
   <p:cSld>
     <p:spTree>
@@ -5980,6 +6247,177 @@
 </file>
 
 <file path=ppt/slides/slide8.xml><?xml version="1.0" encoding="utf-8"?>
+<p:sld xmlns:a="http://schemas.openxmlformats.org/drawingml/2006/main" xmlns:r="http://schemas.openxmlformats.org/officeDocument/2006/relationships" xmlns:p="http://schemas.openxmlformats.org/presentationml/2006/main">
+  <p:cSld>
+    <p:spTree>
+      <p:nvGrpSpPr>
+        <p:cNvPr id="1" name=""/>
+        <p:cNvGrpSpPr/>
+        <p:nvPr/>
+      </p:nvGrpSpPr>
+      <p:grpSpPr>
+        <a:xfrm>
+          <a:off x="0" y="0"/>
+          <a:ext cx="0" cy="0"/>
+          <a:chOff x="0" y="0"/>
+          <a:chExt cx="0" cy="0"/>
+        </a:xfrm>
+      </p:grpSpPr>
+      <p:sp>
+        <p:nvSpPr>
+          <p:cNvPr id="2" name="Title 1">
+            <a:extLst>
+              <a:ext uri="{FF2B5EF4-FFF2-40B4-BE49-F238E27FC236}">
+                <a16:creationId xmlns:a16="http://schemas.microsoft.com/office/drawing/2014/main" id="{3D6A9370-3FB5-4F80-8225-337C170648B9}"/>
+              </a:ext>
+            </a:extLst>
+          </p:cNvPr>
+          <p:cNvSpPr>
+            <a:spLocks noGrp="1"/>
+          </p:cNvSpPr>
+          <p:nvPr>
+            <p:ph type="title"/>
+          </p:nvPr>
+        </p:nvSpPr>
+        <p:spPr/>
+        <p:txBody>
+          <a:bodyPr/>
+          <a:lstStyle/>
+          <a:p>
+            <a:r>
+              <a:rPr lang="en-US" dirty="0"/>
+              <a:t>Logging on to Git</a:t>
+            </a:r>
+            <a:endParaRPr lang="en-BE" dirty="0"/>
+          </a:p>
+        </p:txBody>
+      </p:sp>
+      <p:sp>
+        <p:nvSpPr>
+          <p:cNvPr id="3" name="Content Placeholder 2">
+            <a:extLst>
+              <a:ext uri="{FF2B5EF4-FFF2-40B4-BE49-F238E27FC236}">
+                <a16:creationId xmlns:a16="http://schemas.microsoft.com/office/drawing/2014/main" id="{16E63D29-91F8-4C91-BE92-1794A781736C}"/>
+              </a:ext>
+            </a:extLst>
+          </p:cNvPr>
+          <p:cNvSpPr>
+            <a:spLocks noGrp="1"/>
+          </p:cNvSpPr>
+          <p:nvPr>
+            <p:ph idx="1"/>
+          </p:nvPr>
+        </p:nvSpPr>
+        <p:spPr/>
+        <p:txBody>
+          <a:bodyPr/>
+          <a:lstStyle/>
+          <a:p>
+            <a:r>
+              <a:rPr lang="en-US" dirty="0"/>
+              <a:t>Once you’ve installed Git, you have to logon</a:t>
+            </a:r>
+          </a:p>
+          <a:p>
+            <a:pPr lvl="1"/>
+            <a:r>
+              <a:rPr lang="en-US" dirty="0"/>
+              <a:t>Or configure username and email in git</a:t>
+            </a:r>
+          </a:p>
+          <a:p>
+            <a:pPr lvl="1"/>
+            <a:r>
+              <a:rPr lang="en-US" dirty="0"/>
+              <a:t>This is done in a Git-tool, not </a:t>
+            </a:r>
+            <a:r>
+              <a:rPr lang="en-US" dirty="0" err="1"/>
+              <a:t>vscode</a:t>
+            </a:r>
+            <a:endParaRPr lang="en-US" dirty="0"/>
+          </a:p>
+          <a:p>
+            <a:r>
+              <a:rPr lang="en-US" dirty="0"/>
+              <a:t>Open a </a:t>
+            </a:r>
+            <a:r>
+              <a:rPr lang="en-US" dirty="0" err="1"/>
+              <a:t>commandprompt</a:t>
+            </a:r>
+            <a:r>
+              <a:rPr lang="en-US" dirty="0"/>
+              <a:t> and type…</a:t>
+            </a:r>
+          </a:p>
+          <a:p>
+            <a:pPr lvl="1"/>
+            <a:r>
+              <a:rPr lang="en-US" dirty="0"/>
+              <a:t>git config --global user.name “Your User Name"</a:t>
+            </a:r>
+          </a:p>
+          <a:p>
+            <a:pPr lvl="1"/>
+            <a:r>
+              <a:rPr lang="en-US" dirty="0"/>
+              <a:t>git config --global </a:t>
+            </a:r>
+            <a:r>
+              <a:rPr lang="en-US" dirty="0" err="1"/>
+              <a:t>user.email</a:t>
+            </a:r>
+            <a:r>
+              <a:rPr lang="en-US" dirty="0"/>
+              <a:t> </a:t>
+            </a:r>
+            <a:r>
+              <a:rPr lang="en-US" dirty="0">
+                <a:hlinkClick r:id="rId3"/>
+              </a:rPr>
+              <a:t>aRealEmailAddress@server.com</a:t>
+            </a:r>
+            <a:endParaRPr lang="en-US" dirty="0"/>
+          </a:p>
+          <a:p>
+            <a:r>
+              <a:rPr lang="en-US" dirty="0"/>
+              <a:t>When committing or the first time, a password will be asked (</a:t>
+            </a:r>
+            <a:r>
+              <a:rPr lang="en-US"/>
+              <a:t>and stored) </a:t>
+            </a:r>
+            <a:endParaRPr lang="en-US" dirty="0"/>
+          </a:p>
+          <a:p>
+            <a:pPr lvl="1"/>
+            <a:endParaRPr lang="en-US" dirty="0"/>
+          </a:p>
+          <a:p>
+            <a:pPr lvl="1"/>
+            <a:endParaRPr lang="en-US" dirty="0"/>
+          </a:p>
+          <a:p>
+            <a:endParaRPr lang="en-BE" dirty="0"/>
+          </a:p>
+        </p:txBody>
+      </p:sp>
+    </p:spTree>
+    <p:extLst>
+      <p:ext uri="{BB962C8B-B14F-4D97-AF65-F5344CB8AC3E}">
+        <p14:creationId xmlns:p14="http://schemas.microsoft.com/office/powerpoint/2010/main" val="308637880"/>
+      </p:ext>
+    </p:extLst>
+  </p:cSld>
+  <p:clrMapOvr>
+    <a:masterClrMapping/>
+  </p:clrMapOvr>
+</p:sld>
+</file>
+
+<file path=ppt/slides/slide9.xml><?xml version="1.0" encoding="utf-8"?>
 <p:sld xmlns:a="http://schemas.openxmlformats.org/drawingml/2006/main" xmlns:r="http://schemas.openxmlformats.org/officeDocument/2006/relationships" xmlns:p="http://schemas.openxmlformats.org/presentationml/2006/main">
   <p:cSld>
     <p:spTree>
@@ -6932,147 +7370,6 @@
       <p:bldP spid="38" grpId="0"/>
     </p:bldLst>
   </p:timing>
-</p:sld>
-</file>
-
-<file path=ppt/slides/slide9.xml><?xml version="1.0" encoding="utf-8"?>
-<p:sld xmlns:a="http://schemas.openxmlformats.org/drawingml/2006/main" xmlns:r="http://schemas.openxmlformats.org/officeDocument/2006/relationships" xmlns:p="http://schemas.openxmlformats.org/presentationml/2006/main">
-  <p:cSld>
-    <p:spTree>
-      <p:nvGrpSpPr>
-        <p:cNvPr id="1" name=""/>
-        <p:cNvGrpSpPr/>
-        <p:nvPr/>
-      </p:nvGrpSpPr>
-      <p:grpSpPr>
-        <a:xfrm>
-          <a:off x="0" y="0"/>
-          <a:ext cx="0" cy="0"/>
-          <a:chOff x="0" y="0"/>
-          <a:chExt cx="0" cy="0"/>
-        </a:xfrm>
-      </p:grpSpPr>
-      <p:sp>
-        <p:nvSpPr>
-          <p:cNvPr id="2" name="Title 1">
-            <a:extLst>
-              <a:ext uri="{FF2B5EF4-FFF2-40B4-BE49-F238E27FC236}">
-                <a16:creationId xmlns:a16="http://schemas.microsoft.com/office/drawing/2014/main" id="{0B72FC82-DACC-4F0E-A2FD-56E21B0CD32E}"/>
-              </a:ext>
-            </a:extLst>
-          </p:cNvPr>
-          <p:cNvSpPr>
-            <a:spLocks noGrp="1"/>
-          </p:cNvSpPr>
-          <p:nvPr>
-            <p:ph type="title"/>
-          </p:nvPr>
-        </p:nvSpPr>
-        <p:spPr/>
-        <p:txBody>
-          <a:bodyPr/>
-          <a:lstStyle/>
-          <a:p>
-            <a:r>
-              <a:rPr lang="en-GB" dirty="0"/>
-              <a:t>Starting off</a:t>
-            </a:r>
-          </a:p>
-        </p:txBody>
-      </p:sp>
-      <p:sp>
-        <p:nvSpPr>
-          <p:cNvPr id="3" name="Content Placeholder 2">
-            <a:extLst>
-              <a:ext uri="{FF2B5EF4-FFF2-40B4-BE49-F238E27FC236}">
-                <a16:creationId xmlns:a16="http://schemas.microsoft.com/office/drawing/2014/main" id="{AD0FBC08-3629-436C-9C55-337236FAD92E}"/>
-              </a:ext>
-            </a:extLst>
-          </p:cNvPr>
-          <p:cNvSpPr>
-            <a:spLocks noGrp="1"/>
-          </p:cNvSpPr>
-          <p:nvPr>
-            <p:ph idx="1"/>
-          </p:nvPr>
-        </p:nvSpPr>
-        <p:spPr/>
-        <p:txBody>
-          <a:bodyPr/>
-          <a:lstStyle/>
-          <a:p>
-            <a:r>
-              <a:rPr lang="en-GB" dirty="0"/>
-              <a:t>Open </a:t>
-            </a:r>
-            <a:r>
-              <a:rPr lang="en-GB" dirty="0" err="1"/>
-              <a:t>VSCode</a:t>
-            </a:r>
-            <a:endParaRPr lang="en-GB" dirty="0"/>
-          </a:p>
-          <a:p>
-            <a:r>
-              <a:rPr lang="en-GB" dirty="0"/>
-              <a:t>Click View – command palette (Ctrl-Shift-P)</a:t>
-            </a:r>
-          </a:p>
-          <a:p>
-            <a:r>
-              <a:rPr lang="en-GB" dirty="0"/>
-              <a:t>Type “Git: Clone”</a:t>
-            </a:r>
-          </a:p>
-          <a:p>
-            <a:r>
-              <a:rPr lang="en-GB" dirty="0"/>
-              <a:t>As URL, type </a:t>
-            </a:r>
-            <a:r>
-              <a:rPr lang="en-GB" dirty="0">
-                <a:hlinkClick r:id="rId2"/>
-              </a:rPr>
-              <a:t>https://github.com/mjochen/PS-Basic-course</a:t>
-            </a:r>
-            <a:r>
-              <a:rPr lang="en-GB" dirty="0"/>
-              <a:t> and enter</a:t>
-            </a:r>
-          </a:p>
-          <a:p>
-            <a:r>
-              <a:rPr lang="en-GB" dirty="0"/>
-              <a:t>Choose the local folder to create the working tree</a:t>
-            </a:r>
-          </a:p>
-          <a:p>
-            <a:pPr lvl="1"/>
-            <a:r>
-              <a:rPr lang="en-GB" dirty="0"/>
-              <a:t>A subfolder is automatically created</a:t>
-            </a:r>
-          </a:p>
-          <a:p>
-            <a:r>
-              <a:rPr lang="en-GB" dirty="0"/>
-              <a:t>You can choose to open the rep (bottom right)</a:t>
-            </a:r>
-          </a:p>
-          <a:p>
-            <a:endParaRPr lang="en-GB" dirty="0"/>
-          </a:p>
-        </p:txBody>
-      </p:sp>
-    </p:spTree>
-    <p:extLst>
-      <p:ext uri="{BB962C8B-B14F-4D97-AF65-F5344CB8AC3E}">
-        <p14:creationId xmlns:p14="http://schemas.microsoft.com/office/powerpoint/2010/main" val="1471675340"/>
-      </p:ext>
-    </p:extLst>
-  </p:cSld>
-  <p:clrMapOvr>
-    <a:masterClrMapping/>
-  </p:clrMapOvr>
 </p:sld>
 </file>
 
